--- a/Docs techniques/Présentation.pptx
+++ b/Docs techniques/Présentation.pptx
@@ -267,7 +267,7 @@
           <a:p>
             <a:fld id="{4A176B0C-DC0D-3D49-A903-CD045BFC00BE}" type="datetimeFigureOut">
               <a:rPr lang="fr-FR" smtClean="0"/>
-              <a:t>26/10/2021</a:t>
+              <a:t>27/10/2021</a:t>
             </a:fld>
             <a:endParaRPr lang="fr-FR"/>
           </a:p>
@@ -465,7 +465,7 @@
           <a:p>
             <a:fld id="{4A176B0C-DC0D-3D49-A903-CD045BFC00BE}" type="datetimeFigureOut">
               <a:rPr lang="fr-FR" smtClean="0"/>
-              <a:t>26/10/2021</a:t>
+              <a:t>27/10/2021</a:t>
             </a:fld>
             <a:endParaRPr lang="fr-FR"/>
           </a:p>
@@ -673,7 +673,7 @@
           <a:p>
             <a:fld id="{4A176B0C-DC0D-3D49-A903-CD045BFC00BE}" type="datetimeFigureOut">
               <a:rPr lang="fr-FR" smtClean="0"/>
-              <a:t>26/10/2021</a:t>
+              <a:t>27/10/2021</a:t>
             </a:fld>
             <a:endParaRPr lang="fr-FR"/>
           </a:p>
@@ -871,7 +871,7 @@
           <a:p>
             <a:fld id="{4A176B0C-DC0D-3D49-A903-CD045BFC00BE}" type="datetimeFigureOut">
               <a:rPr lang="fr-FR" smtClean="0"/>
-              <a:t>26/10/2021</a:t>
+              <a:t>27/10/2021</a:t>
             </a:fld>
             <a:endParaRPr lang="fr-FR"/>
           </a:p>
@@ -1146,7 +1146,7 @@
           <a:p>
             <a:fld id="{4A176B0C-DC0D-3D49-A903-CD045BFC00BE}" type="datetimeFigureOut">
               <a:rPr lang="fr-FR" smtClean="0"/>
-              <a:t>26/10/2021</a:t>
+              <a:t>27/10/2021</a:t>
             </a:fld>
             <a:endParaRPr lang="fr-FR"/>
           </a:p>
@@ -1411,7 +1411,7 @@
           <a:p>
             <a:fld id="{4A176B0C-DC0D-3D49-A903-CD045BFC00BE}" type="datetimeFigureOut">
               <a:rPr lang="fr-FR" smtClean="0"/>
-              <a:t>26/10/2021</a:t>
+              <a:t>27/10/2021</a:t>
             </a:fld>
             <a:endParaRPr lang="fr-FR"/>
           </a:p>
@@ -1823,7 +1823,7 @@
           <a:p>
             <a:fld id="{4A176B0C-DC0D-3D49-A903-CD045BFC00BE}" type="datetimeFigureOut">
               <a:rPr lang="fr-FR" smtClean="0"/>
-              <a:t>26/10/2021</a:t>
+              <a:t>27/10/2021</a:t>
             </a:fld>
             <a:endParaRPr lang="fr-FR"/>
           </a:p>
@@ -1964,7 +1964,7 @@
           <a:p>
             <a:fld id="{4A176B0C-DC0D-3D49-A903-CD045BFC00BE}" type="datetimeFigureOut">
               <a:rPr lang="fr-FR" smtClean="0"/>
-              <a:t>26/10/2021</a:t>
+              <a:t>27/10/2021</a:t>
             </a:fld>
             <a:endParaRPr lang="fr-FR"/>
           </a:p>
@@ -2077,7 +2077,7 @@
           <a:p>
             <a:fld id="{4A176B0C-DC0D-3D49-A903-CD045BFC00BE}" type="datetimeFigureOut">
               <a:rPr lang="fr-FR" smtClean="0"/>
-              <a:t>26/10/2021</a:t>
+              <a:t>27/10/2021</a:t>
             </a:fld>
             <a:endParaRPr lang="fr-FR"/>
           </a:p>
@@ -2388,7 +2388,7 @@
           <a:p>
             <a:fld id="{4A176B0C-DC0D-3D49-A903-CD045BFC00BE}" type="datetimeFigureOut">
               <a:rPr lang="fr-FR" smtClean="0"/>
-              <a:t>26/10/2021</a:t>
+              <a:t>27/10/2021</a:t>
             </a:fld>
             <a:endParaRPr lang="fr-FR"/>
           </a:p>
@@ -2676,7 +2676,7 @@
           <a:p>
             <a:fld id="{4A176B0C-DC0D-3D49-A903-CD045BFC00BE}" type="datetimeFigureOut">
               <a:rPr lang="fr-FR" smtClean="0"/>
-              <a:t>26/10/2021</a:t>
+              <a:t>27/10/2021</a:t>
             </a:fld>
             <a:endParaRPr lang="fr-FR"/>
           </a:p>
@@ -2917,7 +2917,7 @@
           <a:p>
             <a:fld id="{4A176B0C-DC0D-3D49-A903-CD045BFC00BE}" type="datetimeFigureOut">
               <a:rPr lang="fr-FR" smtClean="0"/>
-              <a:t>26/10/2021</a:t>
+              <a:t>27/10/2021</a:t>
             </a:fld>
             <a:endParaRPr lang="fr-FR"/>
           </a:p>
@@ -4754,13 +4754,13 @@
   <p:clrMapOvr>
     <a:masterClrMapping/>
   </p:clrMapOvr>
-  <mc:AlternateContent xmlns:mc="http://schemas.openxmlformats.org/markup-compatibility/2006">
-    <mc:Choice xmlns:p14="http://schemas.microsoft.com/office/powerpoint/2010/main" Requires="p14">
+  <mc:AlternateContent xmlns:mc="http://schemas.openxmlformats.org/markup-compatibility/2006" xmlns:p14="http://schemas.microsoft.com/office/powerpoint/2010/main">
+    <mc:Choice Requires="p14">
       <p:transition spd="slow" p14:dur="1500">
         <p:fade/>
       </p:transition>
     </mc:Choice>
-    <mc:Fallback>
+    <mc:Fallback xmlns="">
       <p:transition spd="slow">
         <p:fade/>
       </p:transition>
@@ -5069,100 +5069,6 @@
       </p:sp>
       <p:sp>
         <p:nvSpPr>
-          <p:cNvPr id="6" name="ZoneTexte 5">
-            <a:extLst>
-              <a:ext uri="{FF2B5EF4-FFF2-40B4-BE49-F238E27FC236}">
-                <a16:creationId xmlns:a16="http://schemas.microsoft.com/office/drawing/2014/main" id="{1EBD073B-F087-B544-9DCF-AC5139344507}"/>
-              </a:ext>
-            </a:extLst>
-          </p:cNvPr>
-          <p:cNvSpPr txBox="1"/>
-          <p:nvPr/>
-        </p:nvSpPr>
-        <p:spPr>
-          <a:xfrm>
-            <a:off x="90569" y="6858000"/>
-            <a:ext cx="11758613" cy="1477328"/>
-          </a:xfrm>
-          <a:prstGeom prst="rect">
-            <a:avLst/>
-          </a:prstGeom>
-          <a:noFill/>
-        </p:spPr>
-        <p:txBody>
-          <a:bodyPr wrap="square" rtlCol="0">
-            <a:spAutoFit/>
-          </a:bodyPr>
-          <a:lstStyle/>
-          <a:p>
-            <a:pPr marL="285750" indent="-285750">
-              <a:buFontTx/>
-              <a:buChar char="-"/>
-            </a:pPr>
-            <a:r>
-              <a:rPr lang="fr-FR" dirty="0">
-                <a:latin typeface="Shree Devanagari 714" panose="02000600000000000000" pitchFamily="2" charset="0"/>
-                <a:cs typeface="Shree Devanagari 714" panose="02000600000000000000" pitchFamily="2" charset="0"/>
-              </a:rPr>
-              <a:t>Établissement de la charte graphique + logo + slogan</a:t>
-            </a:r>
-          </a:p>
-          <a:p>
-            <a:pPr marL="742950" lvl="1" indent="-285750">
-              <a:buFontTx/>
-              <a:buChar char="-"/>
-            </a:pPr>
-            <a:r>
-              <a:rPr lang="fr-FR" dirty="0">
-                <a:latin typeface="Shree Devanagari 714" panose="02000600000000000000" pitchFamily="2" charset="0"/>
-                <a:cs typeface="Shree Devanagari 714" panose="02000600000000000000" pitchFamily="2" charset="0"/>
-              </a:rPr>
-              <a:t>Vert : green</a:t>
-            </a:r>
-          </a:p>
-          <a:p>
-            <a:pPr marL="742950" lvl="1" indent="-285750">
-              <a:buFontTx/>
-              <a:buChar char="-"/>
-            </a:pPr>
-            <a:r>
-              <a:rPr lang="fr-FR" dirty="0">
-                <a:latin typeface="Shree Devanagari 714" panose="02000600000000000000" pitchFamily="2" charset="0"/>
-                <a:cs typeface="Shree Devanagari 714" panose="02000600000000000000" pitchFamily="2" charset="0"/>
-              </a:rPr>
-              <a:t>Bleu : selon palette de couleur qui allait avec le green choisit</a:t>
-            </a:r>
-          </a:p>
-          <a:p>
-            <a:pPr marL="742950" lvl="1" indent="-285750">
-              <a:buFontTx/>
-              <a:buChar char="-"/>
-            </a:pPr>
-            <a:r>
-              <a:rPr lang="fr-FR" dirty="0">
-                <a:latin typeface="Shree Devanagari 714" panose="02000600000000000000" pitchFamily="2" charset="0"/>
-                <a:cs typeface="Shree Devanagari 714" panose="02000600000000000000" pitchFamily="2" charset="0"/>
-              </a:rPr>
-              <a:t>Logo : représentatif des ombrières solaires</a:t>
-            </a:r>
-          </a:p>
-          <a:p>
-            <a:pPr marL="742950" lvl="1" indent="-285750">
-              <a:buFontTx/>
-              <a:buChar char="-"/>
-            </a:pPr>
-            <a:r>
-              <a:rPr lang="fr-FR" dirty="0">
-                <a:latin typeface="Shree Devanagari 714" panose="02000600000000000000" pitchFamily="2" charset="0"/>
-                <a:cs typeface="Shree Devanagari 714" panose="02000600000000000000" pitchFamily="2" charset="0"/>
-              </a:rPr>
-              <a:t>Slogan : inspiration collective</a:t>
-            </a:r>
-          </a:p>
-        </p:txBody>
-      </p:sp>
-      <p:sp>
-        <p:nvSpPr>
           <p:cNvPr id="5" name="ZoneTexte 4">
             <a:extLst>
               <a:ext uri="{FF2B5EF4-FFF2-40B4-BE49-F238E27FC236}">
@@ -5559,7 +5465,7 @@
                             </p:stCondLst>
                             <p:childTnLst>
                               <p:par>
-                                <p:cTn id="5" presetID="55" presetClass="entr" presetSubtype="0" fill="hold" grpId="1" nodeType="afterEffect">
+                                <p:cTn id="5" presetID="55" presetClass="entr" presetSubtype="0" fill="hold" grpId="1" nodeType="withEffect">
                                   <p:stCondLst>
                                     <p:cond delay="0"/>
                                   </p:stCondLst>
@@ -5674,7 +5580,7 @@
                                     </p:set>
                                     <p:anim calcmode="lin" valueType="num">
                                       <p:cBhvr>
-                                        <p:cTn id="13" dur="1000" fill="hold"/>
+                                        <p:cTn id="13" dur="500" fill="hold"/>
                                         <p:tgtEl>
                                           <p:spTgt spid="11"/>
                                         </p:tgtEl>
@@ -5697,7 +5603,7 @@
                                     </p:anim>
                                     <p:anim calcmode="lin" valueType="num">
                                       <p:cBhvr>
-                                        <p:cTn id="14" dur="1000" fill="hold"/>
+                                        <p:cTn id="14" dur="500" fill="hold"/>
                                         <p:tgtEl>
                                           <p:spTgt spid="11"/>
                                         </p:tgtEl>
@@ -5720,7 +5626,7 @@
                                     </p:anim>
                                     <p:animEffect transition="in" filter="fade">
                                       <p:cBhvr>
-                                        <p:cTn id="15" dur="1000"/>
+                                        <p:cTn id="15" dur="500"/>
                                         <p:tgtEl>
                                           <p:spTgt spid="11"/>
                                         </p:tgtEl>
@@ -5735,7 +5641,7 @@
                         <p:par>
                           <p:cTn id="16" fill="hold">
                             <p:stCondLst>
-                              <p:cond delay="2000"/>
+                              <p:cond delay="1500"/>
                             </p:stCondLst>
                             <p:childTnLst>
                               <p:par>
@@ -5764,7 +5670,7 @@
                                     </p:set>
                                     <p:anim calcmode="lin" valueType="num">
                                       <p:cBhvr>
-                                        <p:cTn id="19" dur="1000" fill="hold"/>
+                                        <p:cTn id="19" dur="500" fill="hold"/>
                                         <p:tgtEl>
                                           <p:spTgt spid="12"/>
                                         </p:tgtEl>
@@ -5787,7 +5693,7 @@
                                     </p:anim>
                                     <p:anim calcmode="lin" valueType="num">
                                       <p:cBhvr>
-                                        <p:cTn id="20" dur="1000" fill="hold"/>
+                                        <p:cTn id="20" dur="500" fill="hold"/>
                                         <p:tgtEl>
                                           <p:spTgt spid="12"/>
                                         </p:tgtEl>
@@ -5810,7 +5716,7 @@
                                     </p:anim>
                                     <p:animEffect transition="in" filter="fade">
                                       <p:cBhvr>
-                                        <p:cTn id="21" dur="1000"/>
+                                        <p:cTn id="21" dur="500"/>
                                         <p:tgtEl>
                                           <p:spTgt spid="12"/>
                                         </p:tgtEl>
@@ -5825,7 +5731,7 @@
                         <p:par>
                           <p:cTn id="22" fill="hold">
                             <p:stCondLst>
-                              <p:cond delay="3000"/>
+                              <p:cond delay="2000"/>
                             </p:stCondLst>
                             <p:childTnLst>
                               <p:par>
@@ -5854,7 +5760,7 @@
                                     </p:set>
                                     <p:anim calcmode="lin" valueType="num">
                                       <p:cBhvr>
-                                        <p:cTn id="25" dur="1000" fill="hold"/>
+                                        <p:cTn id="25" dur="500" fill="hold"/>
                                         <p:tgtEl>
                                           <p:spTgt spid="13"/>
                                         </p:tgtEl>
@@ -5877,7 +5783,7 @@
                                     </p:anim>
                                     <p:anim calcmode="lin" valueType="num">
                                       <p:cBhvr>
-                                        <p:cTn id="26" dur="1000" fill="hold"/>
+                                        <p:cTn id="26" dur="500" fill="hold"/>
                                         <p:tgtEl>
                                           <p:spTgt spid="13"/>
                                         </p:tgtEl>
@@ -5900,7 +5806,7 @@
                                     </p:anim>
                                     <p:animEffect transition="in" filter="fade">
                                       <p:cBhvr>
-                                        <p:cTn id="27" dur="1000"/>
+                                        <p:cTn id="27" dur="500"/>
                                         <p:tgtEl>
                                           <p:spTgt spid="13"/>
                                         </p:tgtEl>
@@ -5915,7 +5821,7 @@
                         <p:par>
                           <p:cTn id="28" fill="hold">
                             <p:stCondLst>
-                              <p:cond delay="4000"/>
+                              <p:cond delay="2500"/>
                             </p:stCondLst>
                             <p:childTnLst>
                               <p:par>
@@ -5944,7 +5850,7 @@
                                     </p:set>
                                     <p:anim calcmode="lin" valueType="num">
                                       <p:cBhvr>
-                                        <p:cTn id="31" dur="1000" fill="hold"/>
+                                        <p:cTn id="31" dur="500" fill="hold"/>
                                         <p:tgtEl>
                                           <p:spTgt spid="14"/>
                                         </p:tgtEl>
@@ -5967,7 +5873,7 @@
                                     </p:anim>
                                     <p:anim calcmode="lin" valueType="num">
                                       <p:cBhvr>
-                                        <p:cTn id="32" dur="1000" fill="hold"/>
+                                        <p:cTn id="32" dur="500" fill="hold"/>
                                         <p:tgtEl>
                                           <p:spTgt spid="14"/>
                                         </p:tgtEl>
@@ -5990,7 +5896,7 @@
                                     </p:anim>
                                     <p:animEffect transition="in" filter="fade">
                                       <p:cBhvr>
-                                        <p:cTn id="33" dur="1000"/>
+                                        <p:cTn id="33" dur="500"/>
                                         <p:tgtEl>
                                           <p:spTgt spid="14"/>
                                         </p:tgtEl>
@@ -6005,7 +5911,7 @@
                         <p:par>
                           <p:cTn id="34" fill="hold">
                             <p:stCondLst>
-                              <p:cond delay="5000"/>
+                              <p:cond delay="3000"/>
                             </p:stCondLst>
                             <p:childTnLst>
                               <p:par>
@@ -6016,7 +5922,7 @@
                                   <p:childTnLst>
                                     <p:animScale>
                                       <p:cBhvr>
-                                        <p:cTn id="36" dur="2000" fill="hold"/>
+                                        <p:cTn id="36" dur="1000" fill="hold"/>
                                         <p:tgtEl>
                                           <p:spTgt spid="5"/>
                                         </p:tgtEl>
@@ -6034,7 +5940,7 @@
                                   <p:childTnLst>
                                     <p:animScale>
                                       <p:cBhvr>
-                                        <p:cTn id="38" dur="2000" fill="hold"/>
+                                        <p:cTn id="38" dur="1000" fill="hold"/>
                                         <p:tgtEl>
                                           <p:spTgt spid="11"/>
                                         </p:tgtEl>
@@ -6052,7 +5958,7 @@
                                   <p:childTnLst>
                                     <p:animScale>
                                       <p:cBhvr>
-                                        <p:cTn id="40" dur="2000" fill="hold"/>
+                                        <p:cTn id="40" dur="1000" fill="hold"/>
                                         <p:tgtEl>
                                           <p:spTgt spid="12"/>
                                         </p:tgtEl>
@@ -6070,7 +5976,7 @@
                                   <p:childTnLst>
                                     <p:animScale>
                                       <p:cBhvr>
-                                        <p:cTn id="42" dur="2000" fill="hold"/>
+                                        <p:cTn id="42" dur="1000" fill="hold"/>
                                         <p:tgtEl>
                                           <p:spTgt spid="13"/>
                                         </p:tgtEl>
@@ -6088,7 +5994,7 @@
                                   <p:childTnLst>
                                     <p:animScale>
                                       <p:cBhvr>
-                                        <p:cTn id="44" dur="2000" fill="hold"/>
+                                        <p:cTn id="44" dur="1000" fill="hold"/>
                                         <p:tgtEl>
                                           <p:spTgt spid="14"/>
                                         </p:tgtEl>
@@ -6278,24 +6184,15 @@
                                   </p:childTnLst>
                                 </p:cTn>
                               </p:par>
-                            </p:childTnLst>
-                          </p:cTn>
-                        </p:par>
-                        <p:par>
-                          <p:cTn id="57" fill="hold">
-                            <p:stCondLst>
-                              <p:cond delay="1000"/>
-                            </p:stCondLst>
-                            <p:childTnLst>
                               <p:par>
-                                <p:cTn id="58" presetID="6" presetClass="emph" presetSubtype="0" fill="hold" nodeType="afterEffect">
+                                <p:cTn id="57" presetID="6" presetClass="emph" presetSubtype="0" fill="hold" nodeType="withEffect">
                                   <p:stCondLst>
                                     <p:cond delay="0"/>
                                   </p:stCondLst>
                                   <p:childTnLst>
                                     <p:animScale>
                                       <p:cBhvr>
-                                        <p:cTn id="59" dur="2000" fill="hold"/>
+                                        <p:cTn id="58" dur="1000" fill="hold"/>
                                         <p:tgtEl>
                                           <p:spTgt spid="9"/>
                                         </p:tgtEl>
@@ -6306,14 +6203,14 @@
                                 </p:cTn>
                               </p:par>
                               <p:par>
-                                <p:cTn id="60" presetID="6" presetClass="emph" presetSubtype="0" fill="hold" grpId="0" nodeType="withEffect">
+                                <p:cTn id="59" presetID="6" presetClass="emph" presetSubtype="0" fill="hold" grpId="0" nodeType="withEffect">
                                   <p:stCondLst>
                                     <p:cond delay="0"/>
                                   </p:stCondLst>
                                   <p:childTnLst>
                                     <p:animScale>
                                       <p:cBhvr>
-                                        <p:cTn id="61" dur="2000" fill="hold"/>
+                                        <p:cTn id="60" dur="1000" fill="hold"/>
                                         <p:tgtEl>
                                           <p:spTgt spid="7"/>
                                         </p:tgtEl>
@@ -6330,26 +6227,26 @@
                     </p:cTn>
                   </p:par>
                   <p:par>
-                    <p:cTn id="62" fill="hold">
+                    <p:cTn id="61" fill="hold">
                       <p:stCondLst>
                         <p:cond delay="indefinite"/>
                       </p:stCondLst>
                       <p:childTnLst>
                         <p:par>
-                          <p:cTn id="63" fill="hold">
+                          <p:cTn id="62" fill="hold">
                             <p:stCondLst>
                               <p:cond delay="0"/>
                             </p:stCondLst>
                             <p:childTnLst>
                               <p:par>
-                                <p:cTn id="64" presetID="55" presetClass="entr" presetSubtype="0" fill="hold" grpId="1" nodeType="clickEffect">
+                                <p:cTn id="63" presetID="55" presetClass="entr" presetSubtype="0" fill="hold" grpId="1" nodeType="clickEffect">
                                   <p:stCondLst>
                                     <p:cond delay="0"/>
                                   </p:stCondLst>
                                   <p:childTnLst>
                                     <p:set>
                                       <p:cBhvr>
-                                        <p:cTn id="65" dur="1" fill="hold">
+                                        <p:cTn id="64" dur="1" fill="hold">
                                           <p:stCondLst>
                                             <p:cond delay="0"/>
                                           </p:stCondLst>
@@ -6367,7 +6264,7 @@
                                     </p:set>
                                     <p:anim calcmode="lin" valueType="num">
                                       <p:cBhvr>
-                                        <p:cTn id="66" dur="1000" fill="hold"/>
+                                        <p:cTn id="65" dur="1000" fill="hold"/>
                                         <p:tgtEl>
                                           <p:spTgt spid="10"/>
                                         </p:tgtEl>
@@ -6390,7 +6287,7 @@
                                     </p:anim>
                                     <p:anim calcmode="lin" valueType="num">
                                       <p:cBhvr>
-                                        <p:cTn id="67" dur="1000" fill="hold"/>
+                                        <p:cTn id="66" dur="1000" fill="hold"/>
                                         <p:tgtEl>
                                           <p:spTgt spid="10"/>
                                         </p:tgtEl>
@@ -6413,7 +6310,7 @@
                                     </p:anim>
                                     <p:animEffect transition="in" filter="fade">
                                       <p:cBhvr>
-                                        <p:cTn id="68" dur="1000"/>
+                                        <p:cTn id="67" dur="1000"/>
                                         <p:tgtEl>
                                           <p:spTgt spid="10"/>
                                         </p:tgtEl>
@@ -6423,14 +6320,14 @@
                                 </p:cTn>
                               </p:par>
                               <p:par>
-                                <p:cTn id="69" presetID="55" presetClass="entr" presetSubtype="0" fill="hold" grpId="1" nodeType="withEffect">
+                                <p:cTn id="68" presetID="55" presetClass="entr" presetSubtype="0" fill="hold" grpId="1" nodeType="withEffect">
                                   <p:stCondLst>
                                     <p:cond delay="0"/>
                                   </p:stCondLst>
                                   <p:childTnLst>
                                     <p:set>
                                       <p:cBhvr>
-                                        <p:cTn id="70" dur="1" fill="hold">
+                                        <p:cTn id="69" dur="1" fill="hold">
                                           <p:stCondLst>
                                             <p:cond delay="0"/>
                                           </p:stCondLst>
@@ -6448,7 +6345,7 @@
                                     </p:set>
                                     <p:anim calcmode="lin" valueType="num">
                                       <p:cBhvr>
-                                        <p:cTn id="71" dur="1000" fill="hold"/>
+                                        <p:cTn id="70" dur="1000" fill="hold"/>
                                         <p:tgtEl>
                                           <p:spTgt spid="8"/>
                                         </p:tgtEl>
@@ -6471,7 +6368,7 @@
                                     </p:anim>
                                     <p:anim calcmode="lin" valueType="num">
                                       <p:cBhvr>
-                                        <p:cTn id="72" dur="1000" fill="hold"/>
+                                        <p:cTn id="71" dur="1000" fill="hold"/>
                                         <p:tgtEl>
                                           <p:spTgt spid="8"/>
                                         </p:tgtEl>
@@ -6494,7 +6391,7 @@
                                     </p:anim>
                                     <p:animEffect transition="in" filter="fade">
                                       <p:cBhvr>
-                                        <p:cTn id="73" dur="1000"/>
+                                        <p:cTn id="72" dur="1000"/>
                                         <p:tgtEl>
                                           <p:spTgt spid="8"/>
                                         </p:tgtEl>
@@ -6503,24 +6400,15 @@
                                   </p:childTnLst>
                                 </p:cTn>
                               </p:par>
-                            </p:childTnLst>
-                          </p:cTn>
-                        </p:par>
-                        <p:par>
-                          <p:cTn id="74" fill="hold">
-                            <p:stCondLst>
-                              <p:cond delay="1000"/>
-                            </p:stCondLst>
-                            <p:childTnLst>
                               <p:par>
-                                <p:cTn id="75" presetID="6" presetClass="emph" presetSubtype="0" fill="hold" grpId="0" nodeType="afterEffect">
+                                <p:cTn id="73" presetID="6" presetClass="emph" presetSubtype="0" fill="hold" grpId="0" nodeType="withEffect">
                                   <p:stCondLst>
                                     <p:cond delay="0"/>
                                   </p:stCondLst>
                                   <p:childTnLst>
                                     <p:animScale>
                                       <p:cBhvr>
-                                        <p:cTn id="76" dur="2000" fill="hold"/>
+                                        <p:cTn id="74" dur="1000" fill="hold"/>
                                         <p:tgtEl>
                                           <p:spTgt spid="8"/>
                                         </p:tgtEl>
@@ -6531,14 +6419,14 @@
                                 </p:cTn>
                               </p:par>
                               <p:par>
-                                <p:cTn id="77" presetID="6" presetClass="emph" presetSubtype="0" fill="hold" grpId="0" nodeType="withEffect">
+                                <p:cTn id="75" presetID="6" presetClass="emph" presetSubtype="0" fill="hold" grpId="0" nodeType="withEffect">
                                   <p:stCondLst>
                                     <p:cond delay="0"/>
                                   </p:stCondLst>
                                   <p:childTnLst>
                                     <p:animScale>
                                       <p:cBhvr>
-                                        <p:cTn id="78" dur="2000" fill="hold"/>
+                                        <p:cTn id="76" dur="1000" fill="hold"/>
                                         <p:tgtEl>
                                           <p:spTgt spid="10"/>
                                         </p:tgtEl>
@@ -7458,55 +7346,407 @@
       </p:sp>
       <p:sp>
         <p:nvSpPr>
-          <p:cNvPr id="6" name="ZoneTexte 5">
-            <a:extLst>
-              <a:ext uri="{FF2B5EF4-FFF2-40B4-BE49-F238E27FC236}">
-                <a16:creationId xmlns:a16="http://schemas.microsoft.com/office/drawing/2014/main" id="{1EBD073B-F087-B544-9DCF-AC5139344507}"/>
-              </a:ext>
-            </a:extLst>
-          </p:cNvPr>
-          <p:cNvSpPr txBox="1"/>
+          <p:cNvPr id="2" name="Ellipse 1">
+            <a:extLst>
+              <a:ext uri="{FF2B5EF4-FFF2-40B4-BE49-F238E27FC236}">
+                <a16:creationId xmlns:a16="http://schemas.microsoft.com/office/drawing/2014/main" id="{6B728B93-C3CF-344B-AB36-4A03DFE2DF04}"/>
+              </a:ext>
+            </a:extLst>
+          </p:cNvPr>
+          <p:cNvSpPr/>
           <p:nvPr/>
         </p:nvSpPr>
         <p:spPr>
           <a:xfrm>
-            <a:off x="228600" y="1671636"/>
-            <a:ext cx="11758613" cy="1200329"/>
+            <a:off x="312234" y="1706137"/>
+            <a:ext cx="5040351" cy="4783873"/>
+          </a:xfrm>
+          <a:prstGeom prst="ellipse">
+            <a:avLst/>
+          </a:prstGeom>
+          <a:solidFill>
+            <a:srgbClr val="427AA1"/>
+          </a:solidFill>
+        </p:spPr>
+        <p:style>
+          <a:lnRef idx="2">
+            <a:schemeClr val="accent1">
+              <a:shade val="50000"/>
+            </a:schemeClr>
+          </a:lnRef>
+          <a:fillRef idx="1">
+            <a:schemeClr val="accent1"/>
+          </a:fillRef>
+          <a:effectRef idx="0">
+            <a:schemeClr val="accent1"/>
+          </a:effectRef>
+          <a:fontRef idx="minor">
+            <a:schemeClr val="lt1"/>
+          </a:fontRef>
+        </p:style>
+        <p:txBody>
+          <a:bodyPr rtlCol="0" anchor="ctr"/>
+          <a:lstStyle/>
+          <a:p>
+            <a:pPr algn="ctr"/>
+            <a:endParaRPr lang="fr-FR" dirty="0">
+              <a:latin typeface="Shree Devanagari 714" panose="02000600000000000000" pitchFamily="2" charset="0"/>
+              <a:cs typeface="Shree Devanagari 714" panose="02000600000000000000" pitchFamily="2" charset="0"/>
+            </a:endParaRPr>
+          </a:p>
+          <a:p>
+            <a:pPr algn="ctr"/>
+            <a:endParaRPr lang="fr-FR" dirty="0">
+              <a:latin typeface="Shree Devanagari 714" panose="02000600000000000000" pitchFamily="2" charset="0"/>
+              <a:cs typeface="Shree Devanagari 714" panose="02000600000000000000" pitchFamily="2" charset="0"/>
+            </a:endParaRPr>
+          </a:p>
+          <a:p>
+            <a:pPr algn="ctr"/>
+            <a:endParaRPr lang="fr-FR" dirty="0">
+              <a:latin typeface="Shree Devanagari 714" panose="02000600000000000000" pitchFamily="2" charset="0"/>
+              <a:cs typeface="Shree Devanagari 714" panose="02000600000000000000" pitchFamily="2" charset="0"/>
+            </a:endParaRPr>
+          </a:p>
+          <a:p>
+            <a:pPr algn="ctr"/>
+            <a:endParaRPr lang="fr-FR" dirty="0">
+              <a:latin typeface="Shree Devanagari 714" panose="02000600000000000000" pitchFamily="2" charset="0"/>
+              <a:cs typeface="Shree Devanagari 714" panose="02000600000000000000" pitchFamily="2" charset="0"/>
+            </a:endParaRPr>
+          </a:p>
+          <a:p>
+            <a:pPr algn="ctr"/>
+            <a:endParaRPr lang="fr-FR" dirty="0">
+              <a:latin typeface="Shree Devanagari 714" panose="02000600000000000000" pitchFamily="2" charset="0"/>
+              <a:cs typeface="Shree Devanagari 714" panose="02000600000000000000" pitchFamily="2" charset="0"/>
+            </a:endParaRPr>
+          </a:p>
+          <a:p>
+            <a:pPr algn="ctr"/>
+            <a:endParaRPr lang="fr-FR" dirty="0">
+              <a:latin typeface="Shree Devanagari 714" panose="02000600000000000000" pitchFamily="2" charset="0"/>
+              <a:cs typeface="Shree Devanagari 714" panose="02000600000000000000" pitchFamily="2" charset="0"/>
+            </a:endParaRPr>
+          </a:p>
+          <a:p>
+            <a:pPr algn="ctr"/>
+            <a:endParaRPr lang="fr-FR" dirty="0">
+              <a:latin typeface="Shree Devanagari 714" panose="02000600000000000000" pitchFamily="2" charset="0"/>
+              <a:cs typeface="Shree Devanagari 714" panose="02000600000000000000" pitchFamily="2" charset="0"/>
+            </a:endParaRPr>
+          </a:p>
+          <a:p>
+            <a:pPr algn="ctr"/>
+            <a:endParaRPr lang="fr-FR" dirty="0">
+              <a:latin typeface="Shree Devanagari 714" panose="02000600000000000000" pitchFamily="2" charset="0"/>
+              <a:cs typeface="Shree Devanagari 714" panose="02000600000000000000" pitchFamily="2" charset="0"/>
+            </a:endParaRPr>
+          </a:p>
+          <a:p>
+            <a:pPr algn="ctr"/>
+            <a:endParaRPr lang="fr-FR" dirty="0"/>
+          </a:p>
+        </p:txBody>
+      </p:sp>
+      <p:sp>
+        <p:nvSpPr>
+          <p:cNvPr id="5" name="Ellipse 4">
+            <a:extLst>
+              <a:ext uri="{FF2B5EF4-FFF2-40B4-BE49-F238E27FC236}">
+                <a16:creationId xmlns:a16="http://schemas.microsoft.com/office/drawing/2014/main" id="{5F609631-2388-D34B-A287-5FACB0CF8D8D}"/>
+              </a:ext>
+            </a:extLst>
+          </p:cNvPr>
+          <p:cNvSpPr/>
+          <p:nvPr/>
+        </p:nvSpPr>
+        <p:spPr>
+          <a:xfrm>
+            <a:off x="7153428" y="1706137"/>
+            <a:ext cx="2661427" cy="2662756"/>
+          </a:xfrm>
+          <a:prstGeom prst="ellipse">
+            <a:avLst/>
+          </a:prstGeom>
+          <a:solidFill>
+            <a:srgbClr val="427AA1"/>
+          </a:solidFill>
+        </p:spPr>
+        <p:style>
+          <a:lnRef idx="2">
+            <a:schemeClr val="accent1">
+              <a:shade val="50000"/>
+            </a:schemeClr>
+          </a:lnRef>
+          <a:fillRef idx="1">
+            <a:schemeClr val="accent1"/>
+          </a:fillRef>
+          <a:effectRef idx="0">
+            <a:schemeClr val="accent1"/>
+          </a:effectRef>
+          <a:fontRef idx="minor">
+            <a:schemeClr val="lt1"/>
+          </a:fontRef>
+        </p:style>
+        <p:txBody>
+          <a:bodyPr rtlCol="0" anchor="ctr"/>
+          <a:lstStyle/>
+          <a:p>
+            <a:pPr algn="ctr"/>
+            <a:r>
+              <a:rPr lang="fr-FR" dirty="0">
+                <a:latin typeface="Shree Devanagari 714" panose="02000600000000000000" pitchFamily="2" charset="0"/>
+                <a:cs typeface="Shree Devanagari 714" panose="02000600000000000000" pitchFamily="2" charset="0"/>
+              </a:rPr>
+              <a:t>Validation du client au fur et à mesure de l’avancé du site</a:t>
+            </a:r>
+          </a:p>
+        </p:txBody>
+      </p:sp>
+      <p:sp>
+        <p:nvSpPr>
+          <p:cNvPr id="7" name="Ellipse 6">
+            <a:extLst>
+              <a:ext uri="{FF2B5EF4-FFF2-40B4-BE49-F238E27FC236}">
+                <a16:creationId xmlns:a16="http://schemas.microsoft.com/office/drawing/2014/main" id="{F2541900-4152-FC4E-9BF8-165604CDE2A4}"/>
+              </a:ext>
+            </a:extLst>
+          </p:cNvPr>
+          <p:cNvSpPr/>
+          <p:nvPr/>
+        </p:nvSpPr>
+        <p:spPr>
+          <a:xfrm>
+            <a:off x="9324277" y="3827254"/>
+            <a:ext cx="2661427" cy="2662756"/>
+          </a:xfrm>
+          <a:prstGeom prst="ellipse">
+            <a:avLst/>
+          </a:prstGeom>
+          <a:solidFill>
+            <a:srgbClr val="427AA1"/>
+          </a:solidFill>
+        </p:spPr>
+        <p:style>
+          <a:lnRef idx="2">
+            <a:schemeClr val="accent1">
+              <a:shade val="50000"/>
+            </a:schemeClr>
+          </a:lnRef>
+          <a:fillRef idx="1">
+            <a:schemeClr val="accent1"/>
+          </a:fillRef>
+          <a:effectRef idx="0">
+            <a:schemeClr val="accent1"/>
+          </a:effectRef>
+          <a:fontRef idx="minor">
+            <a:schemeClr val="lt1"/>
+          </a:fontRef>
+        </p:style>
+        <p:txBody>
+          <a:bodyPr rtlCol="0" anchor="ctr"/>
+          <a:lstStyle/>
+          <a:p>
+            <a:pPr algn="ctr"/>
+            <a:r>
+              <a:rPr lang="fr-FR" dirty="0">
+                <a:latin typeface="Shree Devanagari 714" panose="02000600000000000000" pitchFamily="2" charset="0"/>
+                <a:cs typeface="Shree Devanagari 714" panose="02000600000000000000" pitchFamily="2" charset="0"/>
+              </a:rPr>
+              <a:t>Tests réguliers</a:t>
+            </a:r>
+          </a:p>
+        </p:txBody>
+      </p:sp>
+      <p:pic>
+        <p:nvPicPr>
+          <p:cNvPr id="14" name="Image 13">
+            <a:extLst>
+              <a:ext uri="{FF2B5EF4-FFF2-40B4-BE49-F238E27FC236}">
+                <a16:creationId xmlns:a16="http://schemas.microsoft.com/office/drawing/2014/main" id="{324AD672-00F8-8241-AD4C-9F6C33DD1E52}"/>
+              </a:ext>
+            </a:extLst>
+          </p:cNvPr>
+          <p:cNvPicPr>
+            <a:picLocks noChangeAspect="1"/>
+          </p:cNvPicPr>
+          <p:nvPr/>
+        </p:nvPicPr>
+        <p:blipFill>
+          <a:blip r:embed="rId2"/>
+          <a:stretch>
+            <a:fillRect/>
+          </a:stretch>
+        </p:blipFill>
+        <p:spPr>
+          <a:xfrm>
+            <a:off x="3424721" y="3077814"/>
+            <a:ext cx="1808976" cy="1808976"/>
           </a:xfrm>
           <a:prstGeom prst="rect">
             <a:avLst/>
           </a:prstGeom>
-          <a:noFill/>
         </p:spPr>
+      </p:pic>
+      <p:pic>
+        <p:nvPicPr>
+          <p:cNvPr id="16" name="Image 15">
+            <a:extLst>
+              <a:ext uri="{FF2B5EF4-FFF2-40B4-BE49-F238E27FC236}">
+                <a16:creationId xmlns:a16="http://schemas.microsoft.com/office/drawing/2014/main" id="{D1630EB2-C1B0-164F-9849-EC0BAE4AE973}"/>
+              </a:ext>
+            </a:extLst>
+          </p:cNvPr>
+          <p:cNvPicPr>
+            <a:picLocks noChangeAspect="1"/>
+          </p:cNvPicPr>
+          <p:nvPr/>
+        </p:nvPicPr>
+        <p:blipFill>
+          <a:blip r:embed="rId3"/>
+          <a:stretch>
+            <a:fillRect/>
+          </a:stretch>
+        </p:blipFill>
+        <p:spPr>
+          <a:xfrm>
+            <a:off x="475709" y="3170065"/>
+            <a:ext cx="1808976" cy="1808976"/>
+          </a:xfrm>
+          <a:prstGeom prst="rect">
+            <a:avLst/>
+          </a:prstGeom>
+        </p:spPr>
+      </p:pic>
+      <p:pic>
+        <p:nvPicPr>
+          <p:cNvPr id="18" name="Image 17">
+            <a:extLst>
+              <a:ext uri="{FF2B5EF4-FFF2-40B4-BE49-F238E27FC236}">
+                <a16:creationId xmlns:a16="http://schemas.microsoft.com/office/drawing/2014/main" id="{67591119-03E5-E44F-8FFB-FC910E239A3D}"/>
+              </a:ext>
+            </a:extLst>
+          </p:cNvPr>
+          <p:cNvPicPr>
+            <a:picLocks noChangeAspect="1"/>
+          </p:cNvPicPr>
+          <p:nvPr/>
+        </p:nvPicPr>
+        <p:blipFill>
+          <a:blip r:embed="rId4"/>
+          <a:stretch>
+            <a:fillRect/>
+          </a:stretch>
+        </p:blipFill>
+        <p:spPr>
+          <a:xfrm>
+            <a:off x="2124966" y="4445879"/>
+            <a:ext cx="1578362" cy="1789422"/>
+          </a:xfrm>
+          <a:prstGeom prst="rect">
+            <a:avLst/>
+          </a:prstGeom>
+        </p:spPr>
+      </p:pic>
+      <p:pic>
+        <p:nvPicPr>
+          <p:cNvPr id="20" name="Image 19">
+            <a:extLst>
+              <a:ext uri="{FF2B5EF4-FFF2-40B4-BE49-F238E27FC236}">
+                <a16:creationId xmlns:a16="http://schemas.microsoft.com/office/drawing/2014/main" id="{0D6DD0EB-56BB-214B-8D86-586D61489DCF}"/>
+              </a:ext>
+            </a:extLst>
+          </p:cNvPr>
+          <p:cNvPicPr>
+            <a:picLocks noChangeAspect="1"/>
+          </p:cNvPicPr>
+          <p:nvPr/>
+        </p:nvPicPr>
+        <p:blipFill>
+          <a:blip r:embed="rId5"/>
+          <a:stretch>
+            <a:fillRect/>
+          </a:stretch>
+        </p:blipFill>
+        <p:spPr>
+          <a:xfrm>
+            <a:off x="1945732" y="2059754"/>
+            <a:ext cx="1808976" cy="1808976"/>
+          </a:xfrm>
+          <a:prstGeom prst="rect">
+            <a:avLst/>
+          </a:prstGeom>
+        </p:spPr>
+      </p:pic>
+      <p:sp>
+        <p:nvSpPr>
+          <p:cNvPr id="21" name="Ellipse 20">
+            <a:extLst>
+              <a:ext uri="{FF2B5EF4-FFF2-40B4-BE49-F238E27FC236}">
+                <a16:creationId xmlns:a16="http://schemas.microsoft.com/office/drawing/2014/main" id="{43871421-B6EE-1F41-A6FA-77CFA9F2654F}"/>
+              </a:ext>
+            </a:extLst>
+          </p:cNvPr>
+          <p:cNvSpPr/>
+          <p:nvPr/>
+        </p:nvSpPr>
+        <p:spPr>
+          <a:xfrm>
+            <a:off x="5381972" y="3976053"/>
+            <a:ext cx="2661427" cy="2662756"/>
+          </a:xfrm>
+          <a:prstGeom prst="ellipse">
+            <a:avLst/>
+          </a:prstGeom>
+          <a:solidFill>
+            <a:srgbClr val="427AA1"/>
+          </a:solidFill>
+        </p:spPr>
+        <p:style>
+          <a:lnRef idx="2">
+            <a:schemeClr val="accent1">
+              <a:shade val="50000"/>
+            </a:schemeClr>
+          </a:lnRef>
+          <a:fillRef idx="1">
+            <a:schemeClr val="accent1"/>
+          </a:fillRef>
+          <a:effectRef idx="0">
+            <a:schemeClr val="accent1"/>
+          </a:effectRef>
+          <a:fontRef idx="minor">
+            <a:schemeClr val="lt1"/>
+          </a:fontRef>
+        </p:style>
         <p:txBody>
-          <a:bodyPr wrap="square" rtlCol="0">
-            <a:spAutoFit/>
-          </a:bodyPr>
+          <a:bodyPr rtlCol="0" anchor="ctr"/>
           <a:lstStyle/>
           <a:p>
-            <a:pPr marL="285750" indent="-285750">
-              <a:buFontTx/>
-              <a:buChar char="-"/>
-            </a:pPr>
+            <a:pPr algn="ctr"/>
             <a:r>
               <a:rPr lang="fr-FR" dirty="0">
                 <a:latin typeface="Shree Devanagari 714" panose="02000600000000000000" pitchFamily="2" charset="0"/>
                 <a:cs typeface="Shree Devanagari 714" panose="02000600000000000000" pitchFamily="2" charset="0"/>
               </a:rPr>
-              <a:t>Développement</a:t>
-            </a:r>
-          </a:p>
-          <a:p>
-            <a:pPr marL="742950" lvl="1" indent="-285750">
-              <a:buFontTx/>
-              <a:buChar char="-"/>
-            </a:pPr>
+              <a:t>Référencement</a:t>
+            </a:r>
+          </a:p>
+          <a:p>
+            <a:pPr algn="ctr"/>
+            <a:endParaRPr lang="fr-FR" dirty="0">
+              <a:latin typeface="Shree Devanagari 714" panose="02000600000000000000" pitchFamily="2" charset="0"/>
+              <a:cs typeface="Shree Devanagari 714" panose="02000600000000000000" pitchFamily="2" charset="0"/>
+            </a:endParaRPr>
+          </a:p>
+          <a:p>
+            <a:pPr algn="ctr"/>
             <a:r>
               <a:rPr lang="fr-FR" dirty="0">
                 <a:latin typeface="Shree Devanagari 714" panose="02000600000000000000" pitchFamily="2" charset="0"/>
                 <a:cs typeface="Shree Devanagari 714" panose="02000600000000000000" pitchFamily="2" charset="0"/>
               </a:rPr>
-              <a:t>Présentation des langages choisis / référencement / fil </a:t>
+              <a:t>Fil </a:t>
             </a:r>
             <a:r>
               <a:rPr lang="fr-FR" dirty="0" err="1">
@@ -7519,32 +7759,6 @@
               <a:latin typeface="Shree Devanagari 714" panose="02000600000000000000" pitchFamily="2" charset="0"/>
               <a:cs typeface="Shree Devanagari 714" panose="02000600000000000000" pitchFamily="2" charset="0"/>
             </a:endParaRPr>
-          </a:p>
-          <a:p>
-            <a:pPr marL="742950" lvl="1" indent="-285750">
-              <a:buFontTx/>
-              <a:buChar char="-"/>
-            </a:pPr>
-            <a:r>
-              <a:rPr lang="fr-FR" dirty="0">
-                <a:latin typeface="Shree Devanagari 714" panose="02000600000000000000" pitchFamily="2" charset="0"/>
-                <a:cs typeface="Shree Devanagari 714" panose="02000600000000000000" pitchFamily="2" charset="0"/>
-              </a:rPr>
-              <a:t>Validation client au fur et à mesure</a:t>
-            </a:r>
-          </a:p>
-          <a:p>
-            <a:pPr marL="742950" lvl="1" indent="-285750">
-              <a:buFontTx/>
-              <a:buChar char="-"/>
-            </a:pPr>
-            <a:r>
-              <a:rPr lang="fr-FR" dirty="0">
-                <a:latin typeface="Shree Devanagari 714" panose="02000600000000000000" pitchFamily="2" charset="0"/>
-                <a:cs typeface="Shree Devanagari 714" panose="02000600000000000000" pitchFamily="2" charset="0"/>
-              </a:rPr>
-              <a:t>Test</a:t>
-            </a:r>
           </a:p>
         </p:txBody>
       </p:sp>
@@ -7570,6 +7784,1069 @@
       </p:transition>
     </mc:Fallback>
   </mc:AlternateContent>
+  <p:timing>
+    <p:tnLst>
+      <p:par>
+        <p:cTn id="1" dur="indefinite" restart="never" nodeType="tmRoot">
+          <p:childTnLst>
+            <p:seq concurrent="1" nextAc="seek">
+              <p:cTn id="2" dur="indefinite" nodeType="mainSeq">
+                <p:childTnLst>
+                  <p:par>
+                    <p:cTn id="3" fill="hold">
+                      <p:stCondLst>
+                        <p:cond delay="indefinite"/>
+                        <p:cond evt="onBegin" delay="0">
+                          <p:tn val="2"/>
+                        </p:cond>
+                      </p:stCondLst>
+                      <p:childTnLst>
+                        <p:par>
+                          <p:cTn id="4" fill="hold">
+                            <p:stCondLst>
+                              <p:cond delay="0"/>
+                            </p:stCondLst>
+                            <p:childTnLst>
+                              <p:par>
+                                <p:cTn id="5" presetID="15" presetClass="entr" presetSubtype="0" fill="hold" grpId="1" nodeType="withEffect">
+                                  <p:stCondLst>
+                                    <p:cond delay="0"/>
+                                  </p:stCondLst>
+                                  <p:childTnLst>
+                                    <p:set>
+                                      <p:cBhvr>
+                                        <p:cTn id="6" dur="1" fill="hold">
+                                          <p:stCondLst>
+                                            <p:cond delay="0"/>
+                                          </p:stCondLst>
+                                        </p:cTn>
+                                        <p:tgtEl>
+                                          <p:spTgt spid="2"/>
+                                        </p:tgtEl>
+                                        <p:attrNameLst>
+                                          <p:attrName>style.visibility</p:attrName>
+                                        </p:attrNameLst>
+                                      </p:cBhvr>
+                                      <p:to>
+                                        <p:strVal val="visible"/>
+                                      </p:to>
+                                    </p:set>
+                                    <p:anim calcmode="lin" valueType="num">
+                                      <p:cBhvr>
+                                        <p:cTn id="7" dur="1000" fill="hold"/>
+                                        <p:tgtEl>
+                                          <p:spTgt spid="2"/>
+                                        </p:tgtEl>
+                                        <p:attrNameLst>
+                                          <p:attrName>ppt_w</p:attrName>
+                                        </p:attrNameLst>
+                                      </p:cBhvr>
+                                      <p:tavLst>
+                                        <p:tav tm="0">
+                                          <p:val>
+                                            <p:fltVal val="0"/>
+                                          </p:val>
+                                        </p:tav>
+                                        <p:tav tm="100000">
+                                          <p:val>
+                                            <p:strVal val="#ppt_w"/>
+                                          </p:val>
+                                        </p:tav>
+                                      </p:tavLst>
+                                    </p:anim>
+                                    <p:anim calcmode="lin" valueType="num">
+                                      <p:cBhvr>
+                                        <p:cTn id="8" dur="1000" fill="hold"/>
+                                        <p:tgtEl>
+                                          <p:spTgt spid="2"/>
+                                        </p:tgtEl>
+                                        <p:attrNameLst>
+                                          <p:attrName>ppt_h</p:attrName>
+                                        </p:attrNameLst>
+                                      </p:cBhvr>
+                                      <p:tavLst>
+                                        <p:tav tm="0">
+                                          <p:val>
+                                            <p:fltVal val="0"/>
+                                          </p:val>
+                                        </p:tav>
+                                        <p:tav tm="100000">
+                                          <p:val>
+                                            <p:strVal val="#ppt_h"/>
+                                          </p:val>
+                                        </p:tav>
+                                      </p:tavLst>
+                                    </p:anim>
+                                    <p:anim calcmode="lin" valueType="num">
+                                      <p:cBhvr>
+                                        <p:cTn id="9" dur="1000" fill="hold"/>
+                                        <p:tgtEl>
+                                          <p:spTgt spid="2"/>
+                                        </p:tgtEl>
+                                        <p:attrNameLst>
+                                          <p:attrName>ppt_x</p:attrName>
+                                        </p:attrNameLst>
+                                      </p:cBhvr>
+                                      <p:tavLst>
+                                        <p:tav tm="0" fmla="#ppt_x+(cos(-2*pi*(1-$))*-#ppt_x-sin(-2*pi*(1-$))*(1-#ppt_y))*(1-$)">
+                                          <p:val>
+                                            <p:fltVal val="0"/>
+                                          </p:val>
+                                        </p:tav>
+                                        <p:tav tm="100000">
+                                          <p:val>
+                                            <p:fltVal val="1"/>
+                                          </p:val>
+                                        </p:tav>
+                                      </p:tavLst>
+                                    </p:anim>
+                                    <p:anim calcmode="lin" valueType="num">
+                                      <p:cBhvr>
+                                        <p:cTn id="10" dur="1000" fill="hold"/>
+                                        <p:tgtEl>
+                                          <p:spTgt spid="2"/>
+                                        </p:tgtEl>
+                                        <p:attrNameLst>
+                                          <p:attrName>ppt_y</p:attrName>
+                                        </p:attrNameLst>
+                                      </p:cBhvr>
+                                      <p:tavLst>
+                                        <p:tav tm="0" fmla="#ppt_y+(sin(-2*pi*(1-$))*-#ppt_x+cos(-2*pi*(1-$))*(1-#ppt_y))*(1-$)">
+                                          <p:val>
+                                            <p:fltVal val="0"/>
+                                          </p:val>
+                                        </p:tav>
+                                        <p:tav tm="100000">
+                                          <p:val>
+                                            <p:fltVal val="1"/>
+                                          </p:val>
+                                        </p:tav>
+                                      </p:tavLst>
+                                    </p:anim>
+                                  </p:childTnLst>
+                                </p:cTn>
+                              </p:par>
+                              <p:par>
+                                <p:cTn id="11" presetID="15" presetClass="entr" presetSubtype="0" fill="hold" nodeType="withEffect">
+                                  <p:stCondLst>
+                                    <p:cond delay="0"/>
+                                  </p:stCondLst>
+                                  <p:childTnLst>
+                                    <p:set>
+                                      <p:cBhvr>
+                                        <p:cTn id="12" dur="1" fill="hold">
+                                          <p:stCondLst>
+                                            <p:cond delay="0"/>
+                                          </p:stCondLst>
+                                        </p:cTn>
+                                        <p:tgtEl>
+                                          <p:spTgt spid="16"/>
+                                        </p:tgtEl>
+                                        <p:attrNameLst>
+                                          <p:attrName>style.visibility</p:attrName>
+                                        </p:attrNameLst>
+                                      </p:cBhvr>
+                                      <p:to>
+                                        <p:strVal val="visible"/>
+                                      </p:to>
+                                    </p:set>
+                                    <p:anim calcmode="lin" valueType="num">
+                                      <p:cBhvr>
+                                        <p:cTn id="13" dur="1000" fill="hold"/>
+                                        <p:tgtEl>
+                                          <p:spTgt spid="16"/>
+                                        </p:tgtEl>
+                                        <p:attrNameLst>
+                                          <p:attrName>ppt_w</p:attrName>
+                                        </p:attrNameLst>
+                                      </p:cBhvr>
+                                      <p:tavLst>
+                                        <p:tav tm="0">
+                                          <p:val>
+                                            <p:fltVal val="0"/>
+                                          </p:val>
+                                        </p:tav>
+                                        <p:tav tm="100000">
+                                          <p:val>
+                                            <p:strVal val="#ppt_w"/>
+                                          </p:val>
+                                        </p:tav>
+                                      </p:tavLst>
+                                    </p:anim>
+                                    <p:anim calcmode="lin" valueType="num">
+                                      <p:cBhvr>
+                                        <p:cTn id="14" dur="1000" fill="hold"/>
+                                        <p:tgtEl>
+                                          <p:spTgt spid="16"/>
+                                        </p:tgtEl>
+                                        <p:attrNameLst>
+                                          <p:attrName>ppt_h</p:attrName>
+                                        </p:attrNameLst>
+                                      </p:cBhvr>
+                                      <p:tavLst>
+                                        <p:tav tm="0">
+                                          <p:val>
+                                            <p:fltVal val="0"/>
+                                          </p:val>
+                                        </p:tav>
+                                        <p:tav tm="100000">
+                                          <p:val>
+                                            <p:strVal val="#ppt_h"/>
+                                          </p:val>
+                                        </p:tav>
+                                      </p:tavLst>
+                                    </p:anim>
+                                    <p:anim calcmode="lin" valueType="num">
+                                      <p:cBhvr>
+                                        <p:cTn id="15" dur="1000" fill="hold"/>
+                                        <p:tgtEl>
+                                          <p:spTgt spid="16"/>
+                                        </p:tgtEl>
+                                        <p:attrNameLst>
+                                          <p:attrName>ppt_x</p:attrName>
+                                        </p:attrNameLst>
+                                      </p:cBhvr>
+                                      <p:tavLst>
+                                        <p:tav tm="0" fmla="#ppt_x+(cos(-2*pi*(1-$))*-#ppt_x-sin(-2*pi*(1-$))*(1-#ppt_y))*(1-$)">
+                                          <p:val>
+                                            <p:fltVal val="0"/>
+                                          </p:val>
+                                        </p:tav>
+                                        <p:tav tm="100000">
+                                          <p:val>
+                                            <p:fltVal val="1"/>
+                                          </p:val>
+                                        </p:tav>
+                                      </p:tavLst>
+                                    </p:anim>
+                                    <p:anim calcmode="lin" valueType="num">
+                                      <p:cBhvr>
+                                        <p:cTn id="16" dur="1000" fill="hold"/>
+                                        <p:tgtEl>
+                                          <p:spTgt spid="16"/>
+                                        </p:tgtEl>
+                                        <p:attrNameLst>
+                                          <p:attrName>ppt_y</p:attrName>
+                                        </p:attrNameLst>
+                                      </p:cBhvr>
+                                      <p:tavLst>
+                                        <p:tav tm="0" fmla="#ppt_y+(sin(-2*pi*(1-$))*-#ppt_x+cos(-2*pi*(1-$))*(1-#ppt_y))*(1-$)">
+                                          <p:val>
+                                            <p:fltVal val="0"/>
+                                          </p:val>
+                                        </p:tav>
+                                        <p:tav tm="100000">
+                                          <p:val>
+                                            <p:fltVal val="1"/>
+                                          </p:val>
+                                        </p:tav>
+                                      </p:tavLst>
+                                    </p:anim>
+                                  </p:childTnLst>
+                                </p:cTn>
+                              </p:par>
+                              <p:par>
+                                <p:cTn id="17" presetID="15" presetClass="entr" presetSubtype="0" fill="hold" nodeType="withEffect">
+                                  <p:stCondLst>
+                                    <p:cond delay="0"/>
+                                  </p:stCondLst>
+                                  <p:childTnLst>
+                                    <p:set>
+                                      <p:cBhvr>
+                                        <p:cTn id="18" dur="1" fill="hold">
+                                          <p:stCondLst>
+                                            <p:cond delay="0"/>
+                                          </p:stCondLst>
+                                        </p:cTn>
+                                        <p:tgtEl>
+                                          <p:spTgt spid="20"/>
+                                        </p:tgtEl>
+                                        <p:attrNameLst>
+                                          <p:attrName>style.visibility</p:attrName>
+                                        </p:attrNameLst>
+                                      </p:cBhvr>
+                                      <p:to>
+                                        <p:strVal val="visible"/>
+                                      </p:to>
+                                    </p:set>
+                                    <p:anim calcmode="lin" valueType="num">
+                                      <p:cBhvr>
+                                        <p:cTn id="19" dur="1000" fill="hold"/>
+                                        <p:tgtEl>
+                                          <p:spTgt spid="20"/>
+                                        </p:tgtEl>
+                                        <p:attrNameLst>
+                                          <p:attrName>ppt_w</p:attrName>
+                                        </p:attrNameLst>
+                                      </p:cBhvr>
+                                      <p:tavLst>
+                                        <p:tav tm="0">
+                                          <p:val>
+                                            <p:fltVal val="0"/>
+                                          </p:val>
+                                        </p:tav>
+                                        <p:tav tm="100000">
+                                          <p:val>
+                                            <p:strVal val="#ppt_w"/>
+                                          </p:val>
+                                        </p:tav>
+                                      </p:tavLst>
+                                    </p:anim>
+                                    <p:anim calcmode="lin" valueType="num">
+                                      <p:cBhvr>
+                                        <p:cTn id="20" dur="1000" fill="hold"/>
+                                        <p:tgtEl>
+                                          <p:spTgt spid="20"/>
+                                        </p:tgtEl>
+                                        <p:attrNameLst>
+                                          <p:attrName>ppt_h</p:attrName>
+                                        </p:attrNameLst>
+                                      </p:cBhvr>
+                                      <p:tavLst>
+                                        <p:tav tm="0">
+                                          <p:val>
+                                            <p:fltVal val="0"/>
+                                          </p:val>
+                                        </p:tav>
+                                        <p:tav tm="100000">
+                                          <p:val>
+                                            <p:strVal val="#ppt_h"/>
+                                          </p:val>
+                                        </p:tav>
+                                      </p:tavLst>
+                                    </p:anim>
+                                    <p:anim calcmode="lin" valueType="num">
+                                      <p:cBhvr>
+                                        <p:cTn id="21" dur="1000" fill="hold"/>
+                                        <p:tgtEl>
+                                          <p:spTgt spid="20"/>
+                                        </p:tgtEl>
+                                        <p:attrNameLst>
+                                          <p:attrName>ppt_x</p:attrName>
+                                        </p:attrNameLst>
+                                      </p:cBhvr>
+                                      <p:tavLst>
+                                        <p:tav tm="0" fmla="#ppt_x+(cos(-2*pi*(1-$))*-#ppt_x-sin(-2*pi*(1-$))*(1-#ppt_y))*(1-$)">
+                                          <p:val>
+                                            <p:fltVal val="0"/>
+                                          </p:val>
+                                        </p:tav>
+                                        <p:tav tm="100000">
+                                          <p:val>
+                                            <p:fltVal val="1"/>
+                                          </p:val>
+                                        </p:tav>
+                                      </p:tavLst>
+                                    </p:anim>
+                                    <p:anim calcmode="lin" valueType="num">
+                                      <p:cBhvr>
+                                        <p:cTn id="22" dur="1000" fill="hold"/>
+                                        <p:tgtEl>
+                                          <p:spTgt spid="20"/>
+                                        </p:tgtEl>
+                                        <p:attrNameLst>
+                                          <p:attrName>ppt_y</p:attrName>
+                                        </p:attrNameLst>
+                                      </p:cBhvr>
+                                      <p:tavLst>
+                                        <p:tav tm="0" fmla="#ppt_y+(sin(-2*pi*(1-$))*-#ppt_x+cos(-2*pi*(1-$))*(1-#ppt_y))*(1-$)">
+                                          <p:val>
+                                            <p:fltVal val="0"/>
+                                          </p:val>
+                                        </p:tav>
+                                        <p:tav tm="100000">
+                                          <p:val>
+                                            <p:fltVal val="1"/>
+                                          </p:val>
+                                        </p:tav>
+                                      </p:tavLst>
+                                    </p:anim>
+                                  </p:childTnLst>
+                                </p:cTn>
+                              </p:par>
+                              <p:par>
+                                <p:cTn id="23" presetID="15" presetClass="entr" presetSubtype="0" fill="hold" nodeType="withEffect">
+                                  <p:stCondLst>
+                                    <p:cond delay="0"/>
+                                  </p:stCondLst>
+                                  <p:childTnLst>
+                                    <p:set>
+                                      <p:cBhvr>
+                                        <p:cTn id="24" dur="1" fill="hold">
+                                          <p:stCondLst>
+                                            <p:cond delay="0"/>
+                                          </p:stCondLst>
+                                        </p:cTn>
+                                        <p:tgtEl>
+                                          <p:spTgt spid="14"/>
+                                        </p:tgtEl>
+                                        <p:attrNameLst>
+                                          <p:attrName>style.visibility</p:attrName>
+                                        </p:attrNameLst>
+                                      </p:cBhvr>
+                                      <p:to>
+                                        <p:strVal val="visible"/>
+                                      </p:to>
+                                    </p:set>
+                                    <p:anim calcmode="lin" valueType="num">
+                                      <p:cBhvr>
+                                        <p:cTn id="25" dur="1000" fill="hold"/>
+                                        <p:tgtEl>
+                                          <p:spTgt spid="14"/>
+                                        </p:tgtEl>
+                                        <p:attrNameLst>
+                                          <p:attrName>ppt_w</p:attrName>
+                                        </p:attrNameLst>
+                                      </p:cBhvr>
+                                      <p:tavLst>
+                                        <p:tav tm="0">
+                                          <p:val>
+                                            <p:fltVal val="0"/>
+                                          </p:val>
+                                        </p:tav>
+                                        <p:tav tm="100000">
+                                          <p:val>
+                                            <p:strVal val="#ppt_w"/>
+                                          </p:val>
+                                        </p:tav>
+                                      </p:tavLst>
+                                    </p:anim>
+                                    <p:anim calcmode="lin" valueType="num">
+                                      <p:cBhvr>
+                                        <p:cTn id="26" dur="1000" fill="hold"/>
+                                        <p:tgtEl>
+                                          <p:spTgt spid="14"/>
+                                        </p:tgtEl>
+                                        <p:attrNameLst>
+                                          <p:attrName>ppt_h</p:attrName>
+                                        </p:attrNameLst>
+                                      </p:cBhvr>
+                                      <p:tavLst>
+                                        <p:tav tm="0">
+                                          <p:val>
+                                            <p:fltVal val="0"/>
+                                          </p:val>
+                                        </p:tav>
+                                        <p:tav tm="100000">
+                                          <p:val>
+                                            <p:strVal val="#ppt_h"/>
+                                          </p:val>
+                                        </p:tav>
+                                      </p:tavLst>
+                                    </p:anim>
+                                    <p:anim calcmode="lin" valueType="num">
+                                      <p:cBhvr>
+                                        <p:cTn id="27" dur="1000" fill="hold"/>
+                                        <p:tgtEl>
+                                          <p:spTgt spid="14"/>
+                                        </p:tgtEl>
+                                        <p:attrNameLst>
+                                          <p:attrName>ppt_x</p:attrName>
+                                        </p:attrNameLst>
+                                      </p:cBhvr>
+                                      <p:tavLst>
+                                        <p:tav tm="0" fmla="#ppt_x+(cos(-2*pi*(1-$))*-#ppt_x-sin(-2*pi*(1-$))*(1-#ppt_y))*(1-$)">
+                                          <p:val>
+                                            <p:fltVal val="0"/>
+                                          </p:val>
+                                        </p:tav>
+                                        <p:tav tm="100000">
+                                          <p:val>
+                                            <p:fltVal val="1"/>
+                                          </p:val>
+                                        </p:tav>
+                                      </p:tavLst>
+                                    </p:anim>
+                                    <p:anim calcmode="lin" valueType="num">
+                                      <p:cBhvr>
+                                        <p:cTn id="28" dur="1000" fill="hold"/>
+                                        <p:tgtEl>
+                                          <p:spTgt spid="14"/>
+                                        </p:tgtEl>
+                                        <p:attrNameLst>
+                                          <p:attrName>ppt_y</p:attrName>
+                                        </p:attrNameLst>
+                                      </p:cBhvr>
+                                      <p:tavLst>
+                                        <p:tav tm="0" fmla="#ppt_y+(sin(-2*pi*(1-$))*-#ppt_x+cos(-2*pi*(1-$))*(1-#ppt_y))*(1-$)">
+                                          <p:val>
+                                            <p:fltVal val="0"/>
+                                          </p:val>
+                                        </p:tav>
+                                        <p:tav tm="100000">
+                                          <p:val>
+                                            <p:fltVal val="1"/>
+                                          </p:val>
+                                        </p:tav>
+                                      </p:tavLst>
+                                    </p:anim>
+                                  </p:childTnLst>
+                                </p:cTn>
+                              </p:par>
+                              <p:par>
+                                <p:cTn id="29" presetID="15" presetClass="entr" presetSubtype="0" fill="hold" nodeType="withEffect">
+                                  <p:stCondLst>
+                                    <p:cond delay="0"/>
+                                  </p:stCondLst>
+                                  <p:childTnLst>
+                                    <p:set>
+                                      <p:cBhvr>
+                                        <p:cTn id="30" dur="1" fill="hold">
+                                          <p:stCondLst>
+                                            <p:cond delay="0"/>
+                                          </p:stCondLst>
+                                        </p:cTn>
+                                        <p:tgtEl>
+                                          <p:spTgt spid="18"/>
+                                        </p:tgtEl>
+                                        <p:attrNameLst>
+                                          <p:attrName>style.visibility</p:attrName>
+                                        </p:attrNameLst>
+                                      </p:cBhvr>
+                                      <p:to>
+                                        <p:strVal val="visible"/>
+                                      </p:to>
+                                    </p:set>
+                                    <p:anim calcmode="lin" valueType="num">
+                                      <p:cBhvr>
+                                        <p:cTn id="31" dur="1000" fill="hold"/>
+                                        <p:tgtEl>
+                                          <p:spTgt spid="18"/>
+                                        </p:tgtEl>
+                                        <p:attrNameLst>
+                                          <p:attrName>ppt_w</p:attrName>
+                                        </p:attrNameLst>
+                                      </p:cBhvr>
+                                      <p:tavLst>
+                                        <p:tav tm="0">
+                                          <p:val>
+                                            <p:fltVal val="0"/>
+                                          </p:val>
+                                        </p:tav>
+                                        <p:tav tm="100000">
+                                          <p:val>
+                                            <p:strVal val="#ppt_w"/>
+                                          </p:val>
+                                        </p:tav>
+                                      </p:tavLst>
+                                    </p:anim>
+                                    <p:anim calcmode="lin" valueType="num">
+                                      <p:cBhvr>
+                                        <p:cTn id="32" dur="1000" fill="hold"/>
+                                        <p:tgtEl>
+                                          <p:spTgt spid="18"/>
+                                        </p:tgtEl>
+                                        <p:attrNameLst>
+                                          <p:attrName>ppt_h</p:attrName>
+                                        </p:attrNameLst>
+                                      </p:cBhvr>
+                                      <p:tavLst>
+                                        <p:tav tm="0">
+                                          <p:val>
+                                            <p:fltVal val="0"/>
+                                          </p:val>
+                                        </p:tav>
+                                        <p:tav tm="100000">
+                                          <p:val>
+                                            <p:strVal val="#ppt_h"/>
+                                          </p:val>
+                                        </p:tav>
+                                      </p:tavLst>
+                                    </p:anim>
+                                    <p:anim calcmode="lin" valueType="num">
+                                      <p:cBhvr>
+                                        <p:cTn id="33" dur="1000" fill="hold"/>
+                                        <p:tgtEl>
+                                          <p:spTgt spid="18"/>
+                                        </p:tgtEl>
+                                        <p:attrNameLst>
+                                          <p:attrName>ppt_x</p:attrName>
+                                        </p:attrNameLst>
+                                      </p:cBhvr>
+                                      <p:tavLst>
+                                        <p:tav tm="0" fmla="#ppt_x+(cos(-2*pi*(1-$))*-#ppt_x-sin(-2*pi*(1-$))*(1-#ppt_y))*(1-$)">
+                                          <p:val>
+                                            <p:fltVal val="0"/>
+                                          </p:val>
+                                        </p:tav>
+                                        <p:tav tm="100000">
+                                          <p:val>
+                                            <p:fltVal val="1"/>
+                                          </p:val>
+                                        </p:tav>
+                                      </p:tavLst>
+                                    </p:anim>
+                                    <p:anim calcmode="lin" valueType="num">
+                                      <p:cBhvr>
+                                        <p:cTn id="34" dur="1000" fill="hold"/>
+                                        <p:tgtEl>
+                                          <p:spTgt spid="18"/>
+                                        </p:tgtEl>
+                                        <p:attrNameLst>
+                                          <p:attrName>ppt_y</p:attrName>
+                                        </p:attrNameLst>
+                                      </p:cBhvr>
+                                      <p:tavLst>
+                                        <p:tav tm="0" fmla="#ppt_y+(sin(-2*pi*(1-$))*-#ppt_x+cos(-2*pi*(1-$))*(1-#ppt_y))*(1-$)">
+                                          <p:val>
+                                            <p:fltVal val="0"/>
+                                          </p:val>
+                                        </p:tav>
+                                        <p:tav tm="100000">
+                                          <p:val>
+                                            <p:fltVal val="1"/>
+                                          </p:val>
+                                        </p:tav>
+                                      </p:tavLst>
+                                    </p:anim>
+                                  </p:childTnLst>
+                                </p:cTn>
+                              </p:par>
+                            </p:childTnLst>
+                          </p:cTn>
+                        </p:par>
+                      </p:childTnLst>
+                    </p:cTn>
+                  </p:par>
+                  <p:par>
+                    <p:cTn id="35" fill="hold">
+                      <p:stCondLst>
+                        <p:cond delay="indefinite"/>
+                      </p:stCondLst>
+                      <p:childTnLst>
+                        <p:par>
+                          <p:cTn id="36" fill="hold">
+                            <p:stCondLst>
+                              <p:cond delay="0"/>
+                            </p:stCondLst>
+                            <p:childTnLst>
+                              <p:par>
+                                <p:cTn id="37" presetID="15" presetClass="entr" presetSubtype="0" fill="hold" grpId="0" nodeType="clickEffect">
+                                  <p:stCondLst>
+                                    <p:cond delay="0"/>
+                                  </p:stCondLst>
+                                  <p:childTnLst>
+                                    <p:set>
+                                      <p:cBhvr>
+                                        <p:cTn id="38" dur="1" fill="hold">
+                                          <p:stCondLst>
+                                            <p:cond delay="0"/>
+                                          </p:stCondLst>
+                                        </p:cTn>
+                                        <p:tgtEl>
+                                          <p:spTgt spid="21"/>
+                                        </p:tgtEl>
+                                        <p:attrNameLst>
+                                          <p:attrName>style.visibility</p:attrName>
+                                        </p:attrNameLst>
+                                      </p:cBhvr>
+                                      <p:to>
+                                        <p:strVal val="visible"/>
+                                      </p:to>
+                                    </p:set>
+                                    <p:anim calcmode="lin" valueType="num">
+                                      <p:cBhvr>
+                                        <p:cTn id="39" dur="1000" fill="hold"/>
+                                        <p:tgtEl>
+                                          <p:spTgt spid="21"/>
+                                        </p:tgtEl>
+                                        <p:attrNameLst>
+                                          <p:attrName>ppt_w</p:attrName>
+                                        </p:attrNameLst>
+                                      </p:cBhvr>
+                                      <p:tavLst>
+                                        <p:tav tm="0">
+                                          <p:val>
+                                            <p:fltVal val="0"/>
+                                          </p:val>
+                                        </p:tav>
+                                        <p:tav tm="100000">
+                                          <p:val>
+                                            <p:strVal val="#ppt_w"/>
+                                          </p:val>
+                                        </p:tav>
+                                      </p:tavLst>
+                                    </p:anim>
+                                    <p:anim calcmode="lin" valueType="num">
+                                      <p:cBhvr>
+                                        <p:cTn id="40" dur="1000" fill="hold"/>
+                                        <p:tgtEl>
+                                          <p:spTgt spid="21"/>
+                                        </p:tgtEl>
+                                        <p:attrNameLst>
+                                          <p:attrName>ppt_h</p:attrName>
+                                        </p:attrNameLst>
+                                      </p:cBhvr>
+                                      <p:tavLst>
+                                        <p:tav tm="0">
+                                          <p:val>
+                                            <p:fltVal val="0"/>
+                                          </p:val>
+                                        </p:tav>
+                                        <p:tav tm="100000">
+                                          <p:val>
+                                            <p:strVal val="#ppt_h"/>
+                                          </p:val>
+                                        </p:tav>
+                                      </p:tavLst>
+                                    </p:anim>
+                                    <p:anim calcmode="lin" valueType="num">
+                                      <p:cBhvr>
+                                        <p:cTn id="41" dur="1000" fill="hold"/>
+                                        <p:tgtEl>
+                                          <p:spTgt spid="21"/>
+                                        </p:tgtEl>
+                                        <p:attrNameLst>
+                                          <p:attrName>ppt_x</p:attrName>
+                                        </p:attrNameLst>
+                                      </p:cBhvr>
+                                      <p:tavLst>
+                                        <p:tav tm="0" fmla="#ppt_x+(cos(-2*pi*(1-$))*-#ppt_x-sin(-2*pi*(1-$))*(1-#ppt_y))*(1-$)">
+                                          <p:val>
+                                            <p:fltVal val="0"/>
+                                          </p:val>
+                                        </p:tav>
+                                        <p:tav tm="100000">
+                                          <p:val>
+                                            <p:fltVal val="1"/>
+                                          </p:val>
+                                        </p:tav>
+                                      </p:tavLst>
+                                    </p:anim>
+                                    <p:anim calcmode="lin" valueType="num">
+                                      <p:cBhvr>
+                                        <p:cTn id="42" dur="1000" fill="hold"/>
+                                        <p:tgtEl>
+                                          <p:spTgt spid="21"/>
+                                        </p:tgtEl>
+                                        <p:attrNameLst>
+                                          <p:attrName>ppt_y</p:attrName>
+                                        </p:attrNameLst>
+                                      </p:cBhvr>
+                                      <p:tavLst>
+                                        <p:tav tm="0" fmla="#ppt_y+(sin(-2*pi*(1-$))*-#ppt_x+cos(-2*pi*(1-$))*(1-#ppt_y))*(1-$)">
+                                          <p:val>
+                                            <p:fltVal val="0"/>
+                                          </p:val>
+                                        </p:tav>
+                                        <p:tav tm="100000">
+                                          <p:val>
+                                            <p:fltVal val="1"/>
+                                          </p:val>
+                                        </p:tav>
+                                      </p:tavLst>
+                                    </p:anim>
+                                  </p:childTnLst>
+                                </p:cTn>
+                              </p:par>
+                            </p:childTnLst>
+                          </p:cTn>
+                        </p:par>
+                      </p:childTnLst>
+                    </p:cTn>
+                  </p:par>
+                  <p:par>
+                    <p:cTn id="43" fill="hold">
+                      <p:stCondLst>
+                        <p:cond delay="indefinite"/>
+                      </p:stCondLst>
+                      <p:childTnLst>
+                        <p:par>
+                          <p:cTn id="44" fill="hold">
+                            <p:stCondLst>
+                              <p:cond delay="0"/>
+                            </p:stCondLst>
+                            <p:childTnLst>
+                              <p:par>
+                                <p:cTn id="45" presetID="15" presetClass="entr" presetSubtype="0" fill="hold" grpId="0" nodeType="clickEffect">
+                                  <p:stCondLst>
+                                    <p:cond delay="0"/>
+                                  </p:stCondLst>
+                                  <p:childTnLst>
+                                    <p:set>
+                                      <p:cBhvr>
+                                        <p:cTn id="46" dur="1" fill="hold">
+                                          <p:stCondLst>
+                                            <p:cond delay="0"/>
+                                          </p:stCondLst>
+                                        </p:cTn>
+                                        <p:tgtEl>
+                                          <p:spTgt spid="5"/>
+                                        </p:tgtEl>
+                                        <p:attrNameLst>
+                                          <p:attrName>style.visibility</p:attrName>
+                                        </p:attrNameLst>
+                                      </p:cBhvr>
+                                      <p:to>
+                                        <p:strVal val="visible"/>
+                                      </p:to>
+                                    </p:set>
+                                    <p:anim calcmode="lin" valueType="num">
+                                      <p:cBhvr>
+                                        <p:cTn id="47" dur="1000" fill="hold"/>
+                                        <p:tgtEl>
+                                          <p:spTgt spid="5"/>
+                                        </p:tgtEl>
+                                        <p:attrNameLst>
+                                          <p:attrName>ppt_w</p:attrName>
+                                        </p:attrNameLst>
+                                      </p:cBhvr>
+                                      <p:tavLst>
+                                        <p:tav tm="0">
+                                          <p:val>
+                                            <p:fltVal val="0"/>
+                                          </p:val>
+                                        </p:tav>
+                                        <p:tav tm="100000">
+                                          <p:val>
+                                            <p:strVal val="#ppt_w"/>
+                                          </p:val>
+                                        </p:tav>
+                                      </p:tavLst>
+                                    </p:anim>
+                                    <p:anim calcmode="lin" valueType="num">
+                                      <p:cBhvr>
+                                        <p:cTn id="48" dur="1000" fill="hold"/>
+                                        <p:tgtEl>
+                                          <p:spTgt spid="5"/>
+                                        </p:tgtEl>
+                                        <p:attrNameLst>
+                                          <p:attrName>ppt_h</p:attrName>
+                                        </p:attrNameLst>
+                                      </p:cBhvr>
+                                      <p:tavLst>
+                                        <p:tav tm="0">
+                                          <p:val>
+                                            <p:fltVal val="0"/>
+                                          </p:val>
+                                        </p:tav>
+                                        <p:tav tm="100000">
+                                          <p:val>
+                                            <p:strVal val="#ppt_h"/>
+                                          </p:val>
+                                        </p:tav>
+                                      </p:tavLst>
+                                    </p:anim>
+                                    <p:anim calcmode="lin" valueType="num">
+                                      <p:cBhvr>
+                                        <p:cTn id="49" dur="1000" fill="hold"/>
+                                        <p:tgtEl>
+                                          <p:spTgt spid="5"/>
+                                        </p:tgtEl>
+                                        <p:attrNameLst>
+                                          <p:attrName>ppt_x</p:attrName>
+                                        </p:attrNameLst>
+                                      </p:cBhvr>
+                                      <p:tavLst>
+                                        <p:tav tm="0" fmla="#ppt_x+(cos(-2*pi*(1-$))*-#ppt_x-sin(-2*pi*(1-$))*(1-#ppt_y))*(1-$)">
+                                          <p:val>
+                                            <p:fltVal val="0"/>
+                                          </p:val>
+                                        </p:tav>
+                                        <p:tav tm="100000">
+                                          <p:val>
+                                            <p:fltVal val="1"/>
+                                          </p:val>
+                                        </p:tav>
+                                      </p:tavLst>
+                                    </p:anim>
+                                    <p:anim calcmode="lin" valueType="num">
+                                      <p:cBhvr>
+                                        <p:cTn id="50" dur="1000" fill="hold"/>
+                                        <p:tgtEl>
+                                          <p:spTgt spid="5"/>
+                                        </p:tgtEl>
+                                        <p:attrNameLst>
+                                          <p:attrName>ppt_y</p:attrName>
+                                        </p:attrNameLst>
+                                      </p:cBhvr>
+                                      <p:tavLst>
+                                        <p:tav tm="0" fmla="#ppt_y+(sin(-2*pi*(1-$))*-#ppt_x+cos(-2*pi*(1-$))*(1-#ppt_y))*(1-$)">
+                                          <p:val>
+                                            <p:fltVal val="0"/>
+                                          </p:val>
+                                        </p:tav>
+                                        <p:tav tm="100000">
+                                          <p:val>
+                                            <p:fltVal val="1"/>
+                                          </p:val>
+                                        </p:tav>
+                                      </p:tavLst>
+                                    </p:anim>
+                                  </p:childTnLst>
+                                </p:cTn>
+                              </p:par>
+                            </p:childTnLst>
+                          </p:cTn>
+                        </p:par>
+                      </p:childTnLst>
+                    </p:cTn>
+                  </p:par>
+                  <p:par>
+                    <p:cTn id="51" fill="hold">
+                      <p:stCondLst>
+                        <p:cond delay="indefinite"/>
+                      </p:stCondLst>
+                      <p:childTnLst>
+                        <p:par>
+                          <p:cTn id="52" fill="hold">
+                            <p:stCondLst>
+                              <p:cond delay="0"/>
+                            </p:stCondLst>
+                            <p:childTnLst>
+                              <p:par>
+                                <p:cTn id="53" presetID="15" presetClass="entr" presetSubtype="0" fill="hold" grpId="0" nodeType="clickEffect">
+                                  <p:stCondLst>
+                                    <p:cond delay="0"/>
+                                  </p:stCondLst>
+                                  <p:childTnLst>
+                                    <p:set>
+                                      <p:cBhvr>
+                                        <p:cTn id="54" dur="1" fill="hold">
+                                          <p:stCondLst>
+                                            <p:cond delay="0"/>
+                                          </p:stCondLst>
+                                        </p:cTn>
+                                        <p:tgtEl>
+                                          <p:spTgt spid="7"/>
+                                        </p:tgtEl>
+                                        <p:attrNameLst>
+                                          <p:attrName>style.visibility</p:attrName>
+                                        </p:attrNameLst>
+                                      </p:cBhvr>
+                                      <p:to>
+                                        <p:strVal val="visible"/>
+                                      </p:to>
+                                    </p:set>
+                                    <p:anim calcmode="lin" valueType="num">
+                                      <p:cBhvr>
+                                        <p:cTn id="55" dur="1000" fill="hold"/>
+                                        <p:tgtEl>
+                                          <p:spTgt spid="7"/>
+                                        </p:tgtEl>
+                                        <p:attrNameLst>
+                                          <p:attrName>ppt_w</p:attrName>
+                                        </p:attrNameLst>
+                                      </p:cBhvr>
+                                      <p:tavLst>
+                                        <p:tav tm="0">
+                                          <p:val>
+                                            <p:fltVal val="0"/>
+                                          </p:val>
+                                        </p:tav>
+                                        <p:tav tm="100000">
+                                          <p:val>
+                                            <p:strVal val="#ppt_w"/>
+                                          </p:val>
+                                        </p:tav>
+                                      </p:tavLst>
+                                    </p:anim>
+                                    <p:anim calcmode="lin" valueType="num">
+                                      <p:cBhvr>
+                                        <p:cTn id="56" dur="1000" fill="hold"/>
+                                        <p:tgtEl>
+                                          <p:spTgt spid="7"/>
+                                        </p:tgtEl>
+                                        <p:attrNameLst>
+                                          <p:attrName>ppt_h</p:attrName>
+                                        </p:attrNameLst>
+                                      </p:cBhvr>
+                                      <p:tavLst>
+                                        <p:tav tm="0">
+                                          <p:val>
+                                            <p:fltVal val="0"/>
+                                          </p:val>
+                                        </p:tav>
+                                        <p:tav tm="100000">
+                                          <p:val>
+                                            <p:strVal val="#ppt_h"/>
+                                          </p:val>
+                                        </p:tav>
+                                      </p:tavLst>
+                                    </p:anim>
+                                    <p:anim calcmode="lin" valueType="num">
+                                      <p:cBhvr>
+                                        <p:cTn id="57" dur="1000" fill="hold"/>
+                                        <p:tgtEl>
+                                          <p:spTgt spid="7"/>
+                                        </p:tgtEl>
+                                        <p:attrNameLst>
+                                          <p:attrName>ppt_x</p:attrName>
+                                        </p:attrNameLst>
+                                      </p:cBhvr>
+                                      <p:tavLst>
+                                        <p:tav tm="0" fmla="#ppt_x+(cos(-2*pi*(1-$))*-#ppt_x-sin(-2*pi*(1-$))*(1-#ppt_y))*(1-$)">
+                                          <p:val>
+                                            <p:fltVal val="0"/>
+                                          </p:val>
+                                        </p:tav>
+                                        <p:tav tm="100000">
+                                          <p:val>
+                                            <p:fltVal val="1"/>
+                                          </p:val>
+                                        </p:tav>
+                                      </p:tavLst>
+                                    </p:anim>
+                                    <p:anim calcmode="lin" valueType="num">
+                                      <p:cBhvr>
+                                        <p:cTn id="58" dur="1000" fill="hold"/>
+                                        <p:tgtEl>
+                                          <p:spTgt spid="7"/>
+                                        </p:tgtEl>
+                                        <p:attrNameLst>
+                                          <p:attrName>ppt_y</p:attrName>
+                                        </p:attrNameLst>
+                                      </p:cBhvr>
+                                      <p:tavLst>
+                                        <p:tav tm="0" fmla="#ppt_y+(sin(-2*pi*(1-$))*-#ppt_x+cos(-2*pi*(1-$))*(1-#ppt_y))*(1-$)">
+                                          <p:val>
+                                            <p:fltVal val="0"/>
+                                          </p:val>
+                                        </p:tav>
+                                        <p:tav tm="100000">
+                                          <p:val>
+                                            <p:fltVal val="1"/>
+                                          </p:val>
+                                        </p:tav>
+                                      </p:tavLst>
+                                    </p:anim>
+                                  </p:childTnLst>
+                                </p:cTn>
+                              </p:par>
+                            </p:childTnLst>
+                          </p:cTn>
+                        </p:par>
+                      </p:childTnLst>
+                    </p:cTn>
+                  </p:par>
+                </p:childTnLst>
+              </p:cTn>
+              <p:prevCondLst>
+                <p:cond evt="onPrev" delay="0">
+                  <p:tgtEl>
+                    <p:sldTgt/>
+                  </p:tgtEl>
+                </p:cond>
+              </p:prevCondLst>
+              <p:nextCondLst>
+                <p:cond evt="onNext" delay="0">
+                  <p:tgtEl>
+                    <p:sldTgt/>
+                  </p:tgtEl>
+                </p:cond>
+              </p:nextCondLst>
+            </p:seq>
+          </p:childTnLst>
+        </p:cTn>
+      </p:par>
+    </p:tnLst>
+    <p:bldLst>
+      <p:bldP spid="2" grpId="1" animBg="1"/>
+      <p:bldP spid="5" grpId="0" animBg="1"/>
+      <p:bldP spid="7" grpId="0" animBg="1"/>
+      <p:bldP spid="21" grpId="0" animBg="1"/>
+    </p:bldLst>
+  </p:timing>
 </p:sld>
 </file>
 
@@ -7612,7 +8889,7 @@
         </p:blipFill>
         <p:spPr>
           <a:xfrm>
-            <a:off x="92607" y="599497"/>
+            <a:off x="-120753" y="599497"/>
             <a:ext cx="10247971" cy="6858000"/>
           </a:xfrm>
           <a:prstGeom prst="rect">
@@ -7689,7 +8966,7 @@
         </p:nvSpPr>
         <p:spPr>
           <a:xfrm>
-            <a:off x="4114797" y="3584087"/>
+            <a:off x="3855717" y="3584087"/>
             <a:ext cx="4943476" cy="923330"/>
           </a:xfrm>
           <a:prstGeom prst="rect">
@@ -8044,13 +9321,13 @@
   <p:clrMapOvr>
     <a:masterClrMapping/>
   </p:clrMapOvr>
-  <mc:AlternateContent xmlns:mc="http://schemas.openxmlformats.org/markup-compatibility/2006">
-    <mc:Choice xmlns:p14="http://schemas.microsoft.com/office/powerpoint/2010/main" Requires="p14">
+  <mc:AlternateContent xmlns:mc="http://schemas.openxmlformats.org/markup-compatibility/2006" xmlns:p14="http://schemas.microsoft.com/office/powerpoint/2010/main">
+    <mc:Choice Requires="p14">
       <p:transition spd="slow" p14:dur="1500">
         <p:fade/>
       </p:transition>
     </mc:Choice>
-    <mc:Fallback>
+    <mc:Fallback xmlns="">
       <p:transition spd="slow">
         <p:fade/>
       </p:transition>

--- a/Docs techniques/Présentation.pptx
+++ b/Docs techniques/Présentation.pptx
@@ -7499,7 +7499,7 @@
                 <a:latin typeface="Shree Devanagari 714" panose="02000600000000000000" pitchFamily="2" charset="0"/>
                 <a:cs typeface="Shree Devanagari 714" panose="02000600000000000000" pitchFamily="2" charset="0"/>
               </a:rPr>
-              <a:t>Validation du client au fur et à mesure de l’avancé du site</a:t>
+              <a:t>Validation du client au fur et à mesure de l’avancée du site</a:t>
             </a:r>
           </a:p>
         </p:txBody>
@@ -8889,7 +8889,7 @@
         </p:blipFill>
         <p:spPr>
           <a:xfrm>
-            <a:off x="-120753" y="599497"/>
+            <a:off x="-2330553" y="340417"/>
             <a:ext cx="10247971" cy="6858000"/>
           </a:xfrm>
           <a:prstGeom prst="rect">
@@ -8966,7 +8966,7 @@
         </p:nvSpPr>
         <p:spPr>
           <a:xfrm>
-            <a:off x="3855717" y="3584087"/>
+            <a:off x="4251957" y="3568847"/>
             <a:ext cx="4943476" cy="923330"/>
           </a:xfrm>
           <a:prstGeom prst="rect">
@@ -9133,24 +9133,15 @@
                                   </p:childTnLst>
                                 </p:cTn>
                               </p:par>
-                            </p:childTnLst>
-                          </p:cTn>
-                        </p:par>
-                        <p:par>
-                          <p:cTn id="10" fill="hold">
-                            <p:stCondLst>
-                              <p:cond delay="1000"/>
-                            </p:stCondLst>
-                            <p:childTnLst>
                               <p:par>
-                                <p:cTn id="11" presetID="1" presetClass="entr" presetSubtype="0" fill="hold" grpId="0" nodeType="afterEffect">
+                                <p:cTn id="10" presetID="55" presetClass="entr" presetSubtype="0" fill="hold" grpId="0" nodeType="withEffect">
                                   <p:stCondLst>
                                     <p:cond delay="0"/>
                                   </p:stCondLst>
                                   <p:childTnLst>
                                     <p:set>
                                       <p:cBhvr>
-                                        <p:cTn id="12" dur="1" fill="hold">
+                                        <p:cTn id="11" dur="1" fill="hold">
                                           <p:stCondLst>
                                             <p:cond delay="0"/>
                                           </p:stCondLst>
@@ -9166,38 +9157,60 @@
                                         <p:strVal val="visible"/>
                                       </p:to>
                                     </p:set>
-                                  </p:childTnLst>
-                                </p:cTn>
-                              </p:par>
-                              <p:par>
-                                <p:cTn id="13" presetID="35" presetClass="emph" presetSubtype="0" repeatCount="4000" fill="hold" nodeType="withEffect">
-                                  <p:stCondLst>
-                                    <p:cond delay="0"/>
-                                  </p:stCondLst>
-                                  <p:childTnLst>
-                                    <p:anim calcmode="discrete" valueType="str">
-                                      <p:cBhvr>
-                                        <p:cTn id="14" dur="1000" fill="hold"/>
+                                    <p:anim calcmode="lin" valueType="num">
+                                      <p:cBhvr>
+                                        <p:cTn id="12" dur="1000" fill="hold"/>
                                         <p:tgtEl>
                                           <p:spTgt spid="6"/>
                                         </p:tgtEl>
                                         <p:attrNameLst>
-                                          <p:attrName>style.visibility</p:attrName>
+                                          <p:attrName>ppt_w</p:attrName>
                                         </p:attrNameLst>
                                       </p:cBhvr>
                                       <p:tavLst>
                                         <p:tav tm="0">
                                           <p:val>
-                                            <p:strVal val="hidden"/>
-                                          </p:val>
-                                        </p:tav>
-                                        <p:tav tm="50000">
-                                          <p:val>
-                                            <p:strVal val="visible"/>
+                                            <p:strVal val="#ppt_w*0.70"/>
+                                          </p:val>
+                                        </p:tav>
+                                        <p:tav tm="100000">
+                                          <p:val>
+                                            <p:strVal val="#ppt_w"/>
                                           </p:val>
                                         </p:tav>
                                       </p:tavLst>
                                     </p:anim>
+                                    <p:anim calcmode="lin" valueType="num">
+                                      <p:cBhvr>
+                                        <p:cTn id="13" dur="1000" fill="hold"/>
+                                        <p:tgtEl>
+                                          <p:spTgt spid="6"/>
+                                        </p:tgtEl>
+                                        <p:attrNameLst>
+                                          <p:attrName>ppt_h</p:attrName>
+                                        </p:attrNameLst>
+                                      </p:cBhvr>
+                                      <p:tavLst>
+                                        <p:tav tm="0">
+                                          <p:val>
+                                            <p:strVal val="#ppt_h"/>
+                                          </p:val>
+                                        </p:tav>
+                                        <p:tav tm="100000">
+                                          <p:val>
+                                            <p:strVal val="#ppt_h"/>
+                                          </p:val>
+                                        </p:tav>
+                                      </p:tavLst>
+                                    </p:anim>
+                                    <p:animEffect transition="in" filter="fade">
+                                      <p:cBhvr>
+                                        <p:cTn id="14" dur="1000"/>
+                                        <p:tgtEl>
+                                          <p:spTgt spid="6"/>
+                                        </p:tgtEl>
+                                      </p:cBhvr>
+                                    </p:animEffect>
                                   </p:childTnLst>
                                 </p:cTn>
                               </p:par>
